--- a/Courses/ML_Concepts/Module_01_Introduction_to_Classification/Module_01_Introduction_to_Classification_04_ClassificationMetrics.pptx
+++ b/Courses/ML_Concepts/Module_01_Introduction_to_Classification/Module_01_Introduction_to_Classification_04_ClassificationMetrics.pptx
@@ -210,7 +210,7 @@
           <a:p>
             <a:fld id="{8BF7BA16-693B-49DC-B4FA-AF7A11A8ED46}" type="datetimeFigureOut">
               <a:rPr lang="en-US" smtClean="0"/>
-              <a:t>12/13/2022</a:t>
+              <a:t>3/25/2023</a:t>
             </a:fld>
             <a:endParaRPr lang="en-US"/>
           </a:p>
@@ -477,6 +477,1259 @@
 </p:notesMaster>
 </file>
 
+<file path=ppt/notesSlides/notesSlide1.xml><?xml version="1.0" encoding="utf-8"?>
+<p:notes xmlns:a="http://schemas.openxmlformats.org/drawingml/2006/main" xmlns:r="http://schemas.openxmlformats.org/officeDocument/2006/relationships" xmlns:p="http://schemas.openxmlformats.org/presentationml/2006/main">
+  <p:cSld>
+    <p:spTree>
+      <p:nvGrpSpPr>
+        <p:cNvPr id="1" name=""/>
+        <p:cNvGrpSpPr/>
+        <p:nvPr/>
+      </p:nvGrpSpPr>
+      <p:grpSpPr>
+        <a:xfrm>
+          <a:off x="0" y="0"/>
+          <a:ext cx="0" cy="0"/>
+          <a:chOff x="0" y="0"/>
+          <a:chExt cx="0" cy="0"/>
+        </a:xfrm>
+      </p:grpSpPr>
+      <p:sp>
+        <p:nvSpPr>
+          <p:cNvPr id="2" name="Slide Image Placeholder 1"/>
+          <p:cNvSpPr>
+            <a:spLocks noGrp="1" noRot="1" noChangeAspect="1"/>
+          </p:cNvSpPr>
+          <p:nvPr>
+            <p:ph type="sldImg"/>
+          </p:nvPr>
+        </p:nvSpPr>
+        <p:spPr/>
+      </p:sp>
+      <p:sp>
+        <p:nvSpPr>
+          <p:cNvPr id="3" name="Notes Placeholder 2"/>
+          <p:cNvSpPr>
+            <a:spLocks noGrp="1"/>
+          </p:cNvSpPr>
+          <p:nvPr>
+            <p:ph type="body" idx="1"/>
+          </p:nvPr>
+        </p:nvSpPr>
+        <p:spPr/>
+        <p:txBody>
+          <a:bodyPr/>
+          <a:lstStyle/>
+          <a:p>
+            <a:r>
+              <a:rPr lang="en-US" dirty="0"/>
+              <a:t>Once we have trained our model to identify the optimal set of parameters, we want to assess its performance.</a:t>
+            </a:r>
+          </a:p>
+          <a:p>
+            <a:endParaRPr lang="en-US" dirty="0"/>
+          </a:p>
+          <a:p>
+            <a:r>
+              <a:rPr lang="en-US" dirty="0"/>
+              <a:t>A good model should be able to make accurate predictions about data that was not part of the training set.</a:t>
+            </a:r>
+          </a:p>
+          <a:p>
+            <a:endParaRPr lang="en-US" dirty="0"/>
+          </a:p>
+          <a:p>
+            <a:r>
+              <a:rPr lang="en-US" dirty="0"/>
+              <a:t>Often before training, a portion of the data is set aside as a test set and used to determine how well the model can predict the known label. </a:t>
+            </a:r>
+          </a:p>
+          <a:p>
+            <a:endParaRPr lang="en-US" dirty="0"/>
+          </a:p>
+          <a:p>
+            <a:r>
+              <a:rPr lang="en-US" dirty="0"/>
+              <a:t>We can compare the predicted label with the actual label to quantify the quality of the model predictions.</a:t>
+            </a:r>
+          </a:p>
+        </p:txBody>
+      </p:sp>
+      <p:sp>
+        <p:nvSpPr>
+          <p:cNvPr id="4" name="Slide Number Placeholder 3"/>
+          <p:cNvSpPr>
+            <a:spLocks noGrp="1"/>
+          </p:cNvSpPr>
+          <p:nvPr>
+            <p:ph type="sldNum" sz="quarter" idx="5"/>
+          </p:nvPr>
+        </p:nvSpPr>
+        <p:spPr/>
+        <p:txBody>
+          <a:bodyPr/>
+          <a:lstStyle/>
+          <a:p>
+            <a:fld id="{B1A2EA0D-22F4-4AFD-9B05-B1DF34251A83}" type="slidenum">
+              <a:rPr lang="en-US" smtClean="0"/>
+              <a:t>3</a:t>
+            </a:fld>
+            <a:endParaRPr lang="en-US"/>
+          </a:p>
+        </p:txBody>
+      </p:sp>
+    </p:spTree>
+    <p:extLst>
+      <p:ext uri="{BB962C8B-B14F-4D97-AF65-F5344CB8AC3E}">
+        <p14:creationId xmlns:p14="http://schemas.microsoft.com/office/powerpoint/2010/main" val="1421023664"/>
+      </p:ext>
+    </p:extLst>
+  </p:cSld>
+  <p:clrMapOvr>
+    <a:masterClrMapping/>
+  </p:clrMapOvr>
+</p:notes>
+</file>
+
+<file path=ppt/notesSlides/notesSlide10.xml><?xml version="1.0" encoding="utf-8"?>
+<p:notes xmlns:a="http://schemas.openxmlformats.org/drawingml/2006/main" xmlns:r="http://schemas.openxmlformats.org/officeDocument/2006/relationships" xmlns:p="http://schemas.openxmlformats.org/presentationml/2006/main">
+  <p:cSld>
+    <p:spTree>
+      <p:nvGrpSpPr>
+        <p:cNvPr id="1" name=""/>
+        <p:cNvGrpSpPr/>
+        <p:nvPr/>
+      </p:nvGrpSpPr>
+      <p:grpSpPr>
+        <a:xfrm>
+          <a:off x="0" y="0"/>
+          <a:ext cx="0" cy="0"/>
+          <a:chOff x="0" y="0"/>
+          <a:chExt cx="0" cy="0"/>
+        </a:xfrm>
+      </p:grpSpPr>
+      <p:sp>
+        <p:nvSpPr>
+          <p:cNvPr id="2" name="Slide Image Placeholder 1"/>
+          <p:cNvSpPr>
+            <a:spLocks noGrp="1" noRot="1" noChangeAspect="1"/>
+          </p:cNvSpPr>
+          <p:nvPr>
+            <p:ph type="sldImg"/>
+          </p:nvPr>
+        </p:nvSpPr>
+        <p:spPr/>
+      </p:sp>
+      <p:sp>
+        <p:nvSpPr>
+          <p:cNvPr id="3" name="Notes Placeholder 2"/>
+          <p:cNvSpPr>
+            <a:spLocks noGrp="1"/>
+          </p:cNvSpPr>
+          <p:nvPr>
+            <p:ph type="body" idx="1"/>
+          </p:nvPr>
+        </p:nvSpPr>
+        <p:spPr/>
+        <p:txBody>
+          <a:bodyPr/>
+          <a:lstStyle/>
+          <a:p>
+            <a:r>
+              <a:rPr lang="en-US" dirty="0"/>
+              <a:t>There are different costs to making a misclassification.</a:t>
+            </a:r>
+          </a:p>
+          <a:p>
+            <a:endParaRPr lang="en-US" dirty="0"/>
+          </a:p>
+          <a:p>
+            <a:r>
+              <a:rPr lang="en-US" dirty="0"/>
+              <a:t>Classifying a patient as high risk when they are not has a minimal cost when compared to the opposite.</a:t>
+            </a:r>
+          </a:p>
+          <a:p>
+            <a:endParaRPr lang="en-US" dirty="0"/>
+          </a:p>
+          <a:p>
+            <a:r>
+              <a:rPr lang="en-US" dirty="0"/>
+              <a:t>That is, patients who are not really at high risk may needlessly engage in risk mitigating changes to lifestyle.</a:t>
+            </a:r>
+          </a:p>
+          <a:p>
+            <a:endParaRPr lang="en-US" dirty="0"/>
+          </a:p>
+          <a:p>
+            <a:r>
+              <a:rPr lang="en-US" dirty="0"/>
+              <a:t>However, if our model has high false negatives, we will have high risk patients that will not take steps to mitigate or monitor development of their disease as closely as they would have done otherwise.</a:t>
+            </a:r>
+          </a:p>
+          <a:p>
+            <a:endParaRPr lang="en-US" dirty="0"/>
+          </a:p>
+          <a:p>
+            <a:r>
+              <a:rPr lang="en-US" dirty="0"/>
+              <a:t>In the case of assessing cancer risk, the higher recall (fewer false negatives) of Model 1 makes it a better choice.</a:t>
+            </a:r>
+          </a:p>
+        </p:txBody>
+      </p:sp>
+      <p:sp>
+        <p:nvSpPr>
+          <p:cNvPr id="4" name="Slide Number Placeholder 3"/>
+          <p:cNvSpPr>
+            <a:spLocks noGrp="1"/>
+          </p:cNvSpPr>
+          <p:nvPr>
+            <p:ph type="sldNum" sz="quarter" idx="5"/>
+          </p:nvPr>
+        </p:nvSpPr>
+        <p:spPr/>
+        <p:txBody>
+          <a:bodyPr/>
+          <a:lstStyle/>
+          <a:p>
+            <a:fld id="{B1A2EA0D-22F4-4AFD-9B05-B1DF34251A83}" type="slidenum">
+              <a:rPr lang="en-US" smtClean="0"/>
+              <a:t>12</a:t>
+            </a:fld>
+            <a:endParaRPr lang="en-US"/>
+          </a:p>
+        </p:txBody>
+      </p:sp>
+    </p:spTree>
+    <p:extLst>
+      <p:ext uri="{BB962C8B-B14F-4D97-AF65-F5344CB8AC3E}">
+        <p14:creationId xmlns:p14="http://schemas.microsoft.com/office/powerpoint/2010/main" val="3938623457"/>
+      </p:ext>
+    </p:extLst>
+  </p:cSld>
+  <p:clrMapOvr>
+    <a:masterClrMapping/>
+  </p:clrMapOvr>
+</p:notes>
+</file>
+
+<file path=ppt/notesSlides/notesSlide11.xml><?xml version="1.0" encoding="utf-8"?>
+<p:notes xmlns:a="http://schemas.openxmlformats.org/drawingml/2006/main" xmlns:r="http://schemas.openxmlformats.org/officeDocument/2006/relationships" xmlns:p="http://schemas.openxmlformats.org/presentationml/2006/main">
+  <p:cSld>
+    <p:spTree>
+      <p:nvGrpSpPr>
+        <p:cNvPr id="1" name=""/>
+        <p:cNvGrpSpPr/>
+        <p:nvPr/>
+      </p:nvGrpSpPr>
+      <p:grpSpPr>
+        <a:xfrm>
+          <a:off x="0" y="0"/>
+          <a:ext cx="0" cy="0"/>
+          <a:chOff x="0" y="0"/>
+          <a:chExt cx="0" cy="0"/>
+        </a:xfrm>
+      </p:grpSpPr>
+      <p:sp>
+        <p:nvSpPr>
+          <p:cNvPr id="2" name="Slide Image Placeholder 1"/>
+          <p:cNvSpPr>
+            <a:spLocks noGrp="1" noRot="1" noChangeAspect="1"/>
+          </p:cNvSpPr>
+          <p:nvPr>
+            <p:ph type="sldImg"/>
+          </p:nvPr>
+        </p:nvSpPr>
+        <p:spPr/>
+      </p:sp>
+      <p:sp>
+        <p:nvSpPr>
+          <p:cNvPr id="3" name="Notes Placeholder 2"/>
+          <p:cNvSpPr>
+            <a:spLocks noGrp="1"/>
+          </p:cNvSpPr>
+          <p:nvPr>
+            <p:ph type="body" idx="1"/>
+          </p:nvPr>
+        </p:nvSpPr>
+        <p:spPr/>
+        <p:txBody>
+          <a:bodyPr/>
+          <a:lstStyle/>
+          <a:p>
+            <a:r>
+              <a:rPr lang="en-US" dirty="0"/>
+              <a:t>The trade off between precision and recall can be visualized for different decision thresholds.</a:t>
+            </a:r>
+          </a:p>
+          <a:p>
+            <a:endParaRPr lang="en-US" dirty="0"/>
+          </a:p>
+          <a:p>
+            <a:r>
+              <a:rPr lang="en-US" dirty="0"/>
+              <a:t>As the threshold varies from 0 to 1, a curve will emerge that shows how the false positive and true positive rates changes.</a:t>
+            </a:r>
+          </a:p>
+          <a:p>
+            <a:endParaRPr lang="en-US" dirty="0"/>
+          </a:p>
+          <a:p>
+            <a:r>
+              <a:rPr lang="en-US" dirty="0"/>
+              <a:t>The area under this curve is another performance metric, where a perfect model has an area under the curve of 1.</a:t>
+            </a:r>
+          </a:p>
+        </p:txBody>
+      </p:sp>
+      <p:sp>
+        <p:nvSpPr>
+          <p:cNvPr id="4" name="Slide Number Placeholder 3"/>
+          <p:cNvSpPr>
+            <a:spLocks noGrp="1"/>
+          </p:cNvSpPr>
+          <p:nvPr>
+            <p:ph type="sldNum" sz="quarter" idx="5"/>
+          </p:nvPr>
+        </p:nvSpPr>
+        <p:spPr/>
+        <p:txBody>
+          <a:bodyPr/>
+          <a:lstStyle/>
+          <a:p>
+            <a:fld id="{B1A2EA0D-22F4-4AFD-9B05-B1DF34251A83}" type="slidenum">
+              <a:rPr lang="en-US" smtClean="0"/>
+              <a:t>14</a:t>
+            </a:fld>
+            <a:endParaRPr lang="en-US"/>
+          </a:p>
+        </p:txBody>
+      </p:sp>
+    </p:spTree>
+    <p:extLst>
+      <p:ext uri="{BB962C8B-B14F-4D97-AF65-F5344CB8AC3E}">
+        <p14:creationId xmlns:p14="http://schemas.microsoft.com/office/powerpoint/2010/main" val="2228434669"/>
+      </p:ext>
+    </p:extLst>
+  </p:cSld>
+  <p:clrMapOvr>
+    <a:masterClrMapping/>
+  </p:clrMapOvr>
+</p:notes>
+</file>
+
+<file path=ppt/notesSlides/notesSlide2.xml><?xml version="1.0" encoding="utf-8"?>
+<p:notes xmlns:a="http://schemas.openxmlformats.org/drawingml/2006/main" xmlns:r="http://schemas.openxmlformats.org/officeDocument/2006/relationships" xmlns:p="http://schemas.openxmlformats.org/presentationml/2006/main">
+  <p:cSld>
+    <p:spTree>
+      <p:nvGrpSpPr>
+        <p:cNvPr id="1" name=""/>
+        <p:cNvGrpSpPr/>
+        <p:nvPr/>
+      </p:nvGrpSpPr>
+      <p:grpSpPr>
+        <a:xfrm>
+          <a:off x="0" y="0"/>
+          <a:ext cx="0" cy="0"/>
+          <a:chOff x="0" y="0"/>
+          <a:chExt cx="0" cy="0"/>
+        </a:xfrm>
+      </p:grpSpPr>
+      <p:sp>
+        <p:nvSpPr>
+          <p:cNvPr id="2" name="Slide Image Placeholder 1"/>
+          <p:cNvSpPr>
+            <a:spLocks noGrp="1" noRot="1" noChangeAspect="1"/>
+          </p:cNvSpPr>
+          <p:nvPr>
+            <p:ph type="sldImg"/>
+          </p:nvPr>
+        </p:nvSpPr>
+        <p:spPr/>
+      </p:sp>
+      <p:sp>
+        <p:nvSpPr>
+          <p:cNvPr id="3" name="Notes Placeholder 2"/>
+          <p:cNvSpPr>
+            <a:spLocks noGrp="1"/>
+          </p:cNvSpPr>
+          <p:nvPr>
+            <p:ph type="body" idx="1"/>
+          </p:nvPr>
+        </p:nvSpPr>
+        <p:spPr/>
+        <p:txBody>
+          <a:bodyPr/>
+          <a:lstStyle/>
+          <a:p>
+            <a:r>
+              <a:rPr lang="en-US" dirty="0"/>
+              <a:t>Accuracy is simply how many predictions did the model get correct. </a:t>
+            </a:r>
+          </a:p>
+          <a:p>
+            <a:endParaRPr lang="en-US" dirty="0"/>
+          </a:p>
+          <a:p>
+            <a:r>
+              <a:rPr lang="en-US" dirty="0"/>
+              <a:t>For our example, did the model correct predict a tumor to be malignant or benign?</a:t>
+            </a:r>
+          </a:p>
+          <a:p>
+            <a:endParaRPr lang="en-US" dirty="0"/>
+          </a:p>
+          <a:p>
+            <a:r>
+              <a:rPr lang="en-US" dirty="0"/>
+              <a:t>However without other context, the accuracy metric can be misleading.</a:t>
+            </a:r>
+          </a:p>
+          <a:p>
+            <a:endParaRPr lang="en-US" dirty="0"/>
+          </a:p>
+          <a:p>
+            <a:r>
+              <a:rPr lang="en-US" dirty="0"/>
+              <a:t>Consider a model for predicting breast cancer risk, and the test dataset had a disproportionate number of examples with high breast cancer risk. </a:t>
+            </a:r>
+          </a:p>
+          <a:p>
+            <a:r>
+              <a:rPr lang="en-US" dirty="0"/>
+              <a:t>For example, if 91% of the examples in the test set were high risk, the model could achieve 91% accuracy by simply predicting every example to be high risk.</a:t>
+            </a:r>
+          </a:p>
+          <a:p>
+            <a:endParaRPr lang="en-US" dirty="0"/>
+          </a:p>
+          <a:p>
+            <a:r>
+              <a:rPr lang="en-US" dirty="0"/>
+              <a:t>This highlights the importance of having a balanced training and test set. That is, the examples of positive and negative labels are as similar as possible.</a:t>
+            </a:r>
+          </a:p>
+          <a:p>
+            <a:endParaRPr lang="en-US" dirty="0"/>
+          </a:p>
+          <a:p>
+            <a:endParaRPr lang="en-US" dirty="0"/>
+          </a:p>
+        </p:txBody>
+      </p:sp>
+      <p:sp>
+        <p:nvSpPr>
+          <p:cNvPr id="4" name="Slide Number Placeholder 3"/>
+          <p:cNvSpPr>
+            <a:spLocks noGrp="1"/>
+          </p:cNvSpPr>
+          <p:nvPr>
+            <p:ph type="sldNum" sz="quarter" idx="5"/>
+          </p:nvPr>
+        </p:nvSpPr>
+        <p:spPr/>
+        <p:txBody>
+          <a:bodyPr/>
+          <a:lstStyle/>
+          <a:p>
+            <a:fld id="{B1A2EA0D-22F4-4AFD-9B05-B1DF34251A83}" type="slidenum">
+              <a:rPr lang="en-US" smtClean="0"/>
+              <a:t>4</a:t>
+            </a:fld>
+            <a:endParaRPr lang="en-US"/>
+          </a:p>
+        </p:txBody>
+      </p:sp>
+    </p:spTree>
+    <p:extLst>
+      <p:ext uri="{BB962C8B-B14F-4D97-AF65-F5344CB8AC3E}">
+        <p14:creationId xmlns:p14="http://schemas.microsoft.com/office/powerpoint/2010/main" val="3053917624"/>
+      </p:ext>
+    </p:extLst>
+  </p:cSld>
+  <p:clrMapOvr>
+    <a:masterClrMapping/>
+  </p:clrMapOvr>
+</p:notes>
+</file>
+
+<file path=ppt/notesSlides/notesSlide3.xml><?xml version="1.0" encoding="utf-8"?>
+<p:notes xmlns:a="http://schemas.openxmlformats.org/drawingml/2006/main" xmlns:r="http://schemas.openxmlformats.org/officeDocument/2006/relationships" xmlns:p="http://schemas.openxmlformats.org/presentationml/2006/main">
+  <p:cSld>
+    <p:spTree>
+      <p:nvGrpSpPr>
+        <p:cNvPr id="1" name=""/>
+        <p:cNvGrpSpPr/>
+        <p:nvPr/>
+      </p:nvGrpSpPr>
+      <p:grpSpPr>
+        <a:xfrm>
+          <a:off x="0" y="0"/>
+          <a:ext cx="0" cy="0"/>
+          <a:chOff x="0" y="0"/>
+          <a:chExt cx="0" cy="0"/>
+        </a:xfrm>
+      </p:grpSpPr>
+      <p:sp>
+        <p:nvSpPr>
+          <p:cNvPr id="2" name="Slide Image Placeholder 1"/>
+          <p:cNvSpPr>
+            <a:spLocks noGrp="1" noRot="1" noChangeAspect="1"/>
+          </p:cNvSpPr>
+          <p:nvPr>
+            <p:ph type="sldImg"/>
+          </p:nvPr>
+        </p:nvSpPr>
+        <p:spPr/>
+      </p:sp>
+      <p:sp>
+        <p:nvSpPr>
+          <p:cNvPr id="3" name="Notes Placeholder 2"/>
+          <p:cNvSpPr>
+            <a:spLocks noGrp="1"/>
+          </p:cNvSpPr>
+          <p:nvPr>
+            <p:ph type="body" idx="1"/>
+          </p:nvPr>
+        </p:nvSpPr>
+        <p:spPr/>
+        <p:txBody>
+          <a:bodyPr/>
+          <a:lstStyle/>
+          <a:p>
+            <a:r>
+              <a:rPr lang="en-US" dirty="0"/>
+              <a:t>For binary classification, we can further break down the accuracy performance.</a:t>
+            </a:r>
+          </a:p>
+          <a:p>
+            <a:endParaRPr lang="en-US" dirty="0"/>
+          </a:p>
+          <a:p>
+            <a:r>
+              <a:rPr lang="en-US" dirty="0"/>
+              <a:t>By breaking down the predictions in more detail, we can understand a bit more about how the model is performing.</a:t>
+            </a:r>
+          </a:p>
+          <a:p>
+            <a:endParaRPr lang="en-US" dirty="0"/>
+          </a:p>
+          <a:p>
+            <a:r>
+              <a:rPr lang="en-US" dirty="0"/>
+              <a:t>true positives (accurately prediction y = 1)</a:t>
+            </a:r>
+          </a:p>
+          <a:p>
+            <a:r>
+              <a:rPr lang="en-US" dirty="0"/>
+              <a:t>true negatives (accurately predicting y = 0)</a:t>
+            </a:r>
+          </a:p>
+          <a:p>
+            <a:r>
+              <a:rPr lang="en-US" dirty="0"/>
+              <a:t>false positives (predicting y = 1 when y is actually 0)</a:t>
+            </a:r>
+          </a:p>
+          <a:p>
+            <a:r>
+              <a:rPr lang="en-US" dirty="0"/>
+              <a:t>false negatives (predicting y = 0 when y is actually 1)</a:t>
+            </a:r>
+          </a:p>
+          <a:p>
+            <a:endParaRPr lang="en-US" dirty="0"/>
+          </a:p>
+          <a:p>
+            <a:r>
+              <a:rPr lang="en-US" dirty="0"/>
+              <a:t>These 4 metrics can be arranged as a confusion matrix, which is a helpful visualization for understanding if the model is truly making accurate predictions.</a:t>
+            </a:r>
+          </a:p>
+        </p:txBody>
+      </p:sp>
+      <p:sp>
+        <p:nvSpPr>
+          <p:cNvPr id="4" name="Slide Number Placeholder 3"/>
+          <p:cNvSpPr>
+            <a:spLocks noGrp="1"/>
+          </p:cNvSpPr>
+          <p:nvPr>
+            <p:ph type="sldNum" sz="quarter" idx="5"/>
+          </p:nvPr>
+        </p:nvSpPr>
+        <p:spPr/>
+        <p:txBody>
+          <a:bodyPr/>
+          <a:lstStyle/>
+          <a:p>
+            <a:fld id="{B1A2EA0D-22F4-4AFD-9B05-B1DF34251A83}" type="slidenum">
+              <a:rPr lang="en-US" smtClean="0"/>
+              <a:t>5</a:t>
+            </a:fld>
+            <a:endParaRPr lang="en-US"/>
+          </a:p>
+        </p:txBody>
+      </p:sp>
+    </p:spTree>
+    <p:extLst>
+      <p:ext uri="{BB962C8B-B14F-4D97-AF65-F5344CB8AC3E}">
+        <p14:creationId xmlns:p14="http://schemas.microsoft.com/office/powerpoint/2010/main" val="3829721276"/>
+      </p:ext>
+    </p:extLst>
+  </p:cSld>
+  <p:clrMapOvr>
+    <a:masterClrMapping/>
+  </p:clrMapOvr>
+</p:notes>
+</file>
+
+<file path=ppt/notesSlides/notesSlide4.xml><?xml version="1.0" encoding="utf-8"?>
+<p:notes xmlns:a="http://schemas.openxmlformats.org/drawingml/2006/main" xmlns:r="http://schemas.openxmlformats.org/officeDocument/2006/relationships" xmlns:p="http://schemas.openxmlformats.org/presentationml/2006/main">
+  <p:cSld>
+    <p:spTree>
+      <p:nvGrpSpPr>
+        <p:cNvPr id="1" name=""/>
+        <p:cNvGrpSpPr/>
+        <p:nvPr/>
+      </p:nvGrpSpPr>
+      <p:grpSpPr>
+        <a:xfrm>
+          <a:off x="0" y="0"/>
+          <a:ext cx="0" cy="0"/>
+          <a:chOff x="0" y="0"/>
+          <a:chExt cx="0" cy="0"/>
+        </a:xfrm>
+      </p:grpSpPr>
+      <p:sp>
+        <p:nvSpPr>
+          <p:cNvPr id="2" name="Slide Image Placeholder 1"/>
+          <p:cNvSpPr>
+            <a:spLocks noGrp="1" noRot="1" noChangeAspect="1"/>
+          </p:cNvSpPr>
+          <p:nvPr>
+            <p:ph type="sldImg"/>
+          </p:nvPr>
+        </p:nvSpPr>
+        <p:spPr/>
+      </p:sp>
+      <p:sp>
+        <p:nvSpPr>
+          <p:cNvPr id="3" name="Notes Placeholder 2"/>
+          <p:cNvSpPr>
+            <a:spLocks noGrp="1"/>
+          </p:cNvSpPr>
+          <p:nvPr>
+            <p:ph type="body" idx="1"/>
+          </p:nvPr>
+        </p:nvSpPr>
+        <p:spPr/>
+        <p:txBody>
+          <a:bodyPr/>
+          <a:lstStyle/>
+          <a:p>
+            <a:r>
+              <a:rPr lang="en-US" dirty="0"/>
+              <a:t>Consider this confusion matrix. The accuracy is high but the confusion matrix is telling a different story.</a:t>
+            </a:r>
+          </a:p>
+        </p:txBody>
+      </p:sp>
+      <p:sp>
+        <p:nvSpPr>
+          <p:cNvPr id="4" name="Slide Number Placeholder 3"/>
+          <p:cNvSpPr>
+            <a:spLocks noGrp="1"/>
+          </p:cNvSpPr>
+          <p:nvPr>
+            <p:ph type="sldNum" sz="quarter" idx="5"/>
+          </p:nvPr>
+        </p:nvSpPr>
+        <p:spPr/>
+        <p:txBody>
+          <a:bodyPr/>
+          <a:lstStyle/>
+          <a:p>
+            <a:fld id="{B1A2EA0D-22F4-4AFD-9B05-B1DF34251A83}" type="slidenum">
+              <a:rPr lang="en-US" smtClean="0"/>
+              <a:t>6</a:t>
+            </a:fld>
+            <a:endParaRPr lang="en-US"/>
+          </a:p>
+        </p:txBody>
+      </p:sp>
+    </p:spTree>
+    <p:extLst>
+      <p:ext uri="{BB962C8B-B14F-4D97-AF65-F5344CB8AC3E}">
+        <p14:creationId xmlns:p14="http://schemas.microsoft.com/office/powerpoint/2010/main" val="902933712"/>
+      </p:ext>
+    </p:extLst>
+  </p:cSld>
+  <p:clrMapOvr>
+    <a:masterClrMapping/>
+  </p:clrMapOvr>
+</p:notes>
+</file>
+
+<file path=ppt/notesSlides/notesSlide5.xml><?xml version="1.0" encoding="utf-8"?>
+<p:notes xmlns:a="http://schemas.openxmlformats.org/drawingml/2006/main" xmlns:r="http://schemas.openxmlformats.org/officeDocument/2006/relationships" xmlns:p="http://schemas.openxmlformats.org/presentationml/2006/main">
+  <p:cSld>
+    <p:spTree>
+      <p:nvGrpSpPr>
+        <p:cNvPr id="1" name=""/>
+        <p:cNvGrpSpPr/>
+        <p:nvPr/>
+      </p:nvGrpSpPr>
+      <p:grpSpPr>
+        <a:xfrm>
+          <a:off x="0" y="0"/>
+          <a:ext cx="0" cy="0"/>
+          <a:chOff x="0" y="0"/>
+          <a:chExt cx="0" cy="0"/>
+        </a:xfrm>
+      </p:grpSpPr>
+      <p:sp>
+        <p:nvSpPr>
+          <p:cNvPr id="2" name="Slide Image Placeholder 1"/>
+          <p:cNvSpPr>
+            <a:spLocks noGrp="1" noRot="1" noChangeAspect="1"/>
+          </p:cNvSpPr>
+          <p:nvPr>
+            <p:ph type="sldImg"/>
+          </p:nvPr>
+        </p:nvSpPr>
+        <p:spPr/>
+      </p:sp>
+      <p:sp>
+        <p:nvSpPr>
+          <p:cNvPr id="3" name="Notes Placeholder 2"/>
+          <p:cNvSpPr>
+            <a:spLocks noGrp="1"/>
+          </p:cNvSpPr>
+          <p:nvPr>
+            <p:ph type="body" idx="1"/>
+          </p:nvPr>
+        </p:nvSpPr>
+        <p:spPr/>
+        <p:txBody>
+          <a:bodyPr/>
+          <a:lstStyle/>
+          <a:p>
+            <a:r>
+              <a:rPr lang="en-US" dirty="0"/>
+              <a:t>Accuracy is high, but it is important that the model application be considered.</a:t>
+            </a:r>
+          </a:p>
+          <a:p>
+            <a:endParaRPr lang="en-US" dirty="0"/>
+          </a:p>
+          <a:p>
+            <a:r>
+              <a:rPr lang="en-US" dirty="0"/>
+              <a:t>In this case, 9% of our patients would really had the cancer would be misdiagnosed by this model.</a:t>
+            </a:r>
+          </a:p>
+          <a:p>
+            <a:endParaRPr lang="en-US" dirty="0"/>
+          </a:p>
+          <a:p>
+            <a:r>
+              <a:rPr lang="en-US" dirty="0"/>
+              <a:t>The false negative rate is just too high for such an important application, despite the high accuracy.</a:t>
+            </a:r>
+          </a:p>
+          <a:p>
+            <a:endParaRPr lang="en-US" dirty="0"/>
+          </a:p>
+        </p:txBody>
+      </p:sp>
+      <p:sp>
+        <p:nvSpPr>
+          <p:cNvPr id="4" name="Slide Number Placeholder 3"/>
+          <p:cNvSpPr>
+            <a:spLocks noGrp="1"/>
+          </p:cNvSpPr>
+          <p:nvPr>
+            <p:ph type="sldNum" sz="quarter" idx="5"/>
+          </p:nvPr>
+        </p:nvSpPr>
+        <p:spPr/>
+        <p:txBody>
+          <a:bodyPr/>
+          <a:lstStyle/>
+          <a:p>
+            <a:fld id="{B1A2EA0D-22F4-4AFD-9B05-B1DF34251A83}" type="slidenum">
+              <a:rPr lang="en-US" smtClean="0"/>
+              <a:t>7</a:t>
+            </a:fld>
+            <a:endParaRPr lang="en-US"/>
+          </a:p>
+        </p:txBody>
+      </p:sp>
+    </p:spTree>
+    <p:extLst>
+      <p:ext uri="{BB962C8B-B14F-4D97-AF65-F5344CB8AC3E}">
+        <p14:creationId xmlns:p14="http://schemas.microsoft.com/office/powerpoint/2010/main" val="2846989732"/>
+      </p:ext>
+    </p:extLst>
+  </p:cSld>
+  <p:clrMapOvr>
+    <a:masterClrMapping/>
+  </p:clrMapOvr>
+</p:notes>
+</file>
+
+<file path=ppt/notesSlides/notesSlide6.xml><?xml version="1.0" encoding="utf-8"?>
+<p:notes xmlns:a="http://schemas.openxmlformats.org/drawingml/2006/main" xmlns:r="http://schemas.openxmlformats.org/officeDocument/2006/relationships" xmlns:p="http://schemas.openxmlformats.org/presentationml/2006/main">
+  <p:cSld>
+    <p:spTree>
+      <p:nvGrpSpPr>
+        <p:cNvPr id="1" name=""/>
+        <p:cNvGrpSpPr/>
+        <p:nvPr/>
+      </p:nvGrpSpPr>
+      <p:grpSpPr>
+        <a:xfrm>
+          <a:off x="0" y="0"/>
+          <a:ext cx="0" cy="0"/>
+          <a:chOff x="0" y="0"/>
+          <a:chExt cx="0" cy="0"/>
+        </a:xfrm>
+      </p:grpSpPr>
+      <p:sp>
+        <p:nvSpPr>
+          <p:cNvPr id="2" name="Slide Image Placeholder 1"/>
+          <p:cNvSpPr>
+            <a:spLocks noGrp="1" noRot="1" noChangeAspect="1"/>
+          </p:cNvSpPr>
+          <p:nvPr>
+            <p:ph type="sldImg"/>
+          </p:nvPr>
+        </p:nvSpPr>
+        <p:spPr/>
+      </p:sp>
+      <p:sp>
+        <p:nvSpPr>
+          <p:cNvPr id="3" name="Notes Placeholder 2"/>
+          <p:cNvSpPr>
+            <a:spLocks noGrp="1"/>
+          </p:cNvSpPr>
+          <p:nvPr>
+            <p:ph type="body" idx="1"/>
+          </p:nvPr>
+        </p:nvSpPr>
+        <p:spPr/>
+        <p:txBody>
+          <a:bodyPr/>
+          <a:lstStyle/>
+          <a:p>
+            <a:r>
+              <a:rPr lang="en-US" dirty="0"/>
+              <a:t>We can turn to other performance metrics, precision and recall, to get a better idea of model performance. </a:t>
+            </a:r>
+          </a:p>
+        </p:txBody>
+      </p:sp>
+      <p:sp>
+        <p:nvSpPr>
+          <p:cNvPr id="4" name="Slide Number Placeholder 3"/>
+          <p:cNvSpPr>
+            <a:spLocks noGrp="1"/>
+          </p:cNvSpPr>
+          <p:nvPr>
+            <p:ph type="sldNum" sz="quarter" idx="5"/>
+          </p:nvPr>
+        </p:nvSpPr>
+        <p:spPr/>
+        <p:txBody>
+          <a:bodyPr/>
+          <a:lstStyle/>
+          <a:p>
+            <a:fld id="{B1A2EA0D-22F4-4AFD-9B05-B1DF34251A83}" type="slidenum">
+              <a:rPr lang="en-US" smtClean="0"/>
+              <a:t>8</a:t>
+            </a:fld>
+            <a:endParaRPr lang="en-US"/>
+          </a:p>
+        </p:txBody>
+      </p:sp>
+    </p:spTree>
+    <p:extLst>
+      <p:ext uri="{BB962C8B-B14F-4D97-AF65-F5344CB8AC3E}">
+        <p14:creationId xmlns:p14="http://schemas.microsoft.com/office/powerpoint/2010/main" val="2125563572"/>
+      </p:ext>
+    </p:extLst>
+  </p:cSld>
+  <p:clrMapOvr>
+    <a:masterClrMapping/>
+  </p:clrMapOvr>
+</p:notes>
+</file>
+
+<file path=ppt/notesSlides/notesSlide7.xml><?xml version="1.0" encoding="utf-8"?>
+<p:notes xmlns:a="http://schemas.openxmlformats.org/drawingml/2006/main" xmlns:r="http://schemas.openxmlformats.org/officeDocument/2006/relationships" xmlns:p="http://schemas.openxmlformats.org/presentationml/2006/main">
+  <p:cSld>
+    <p:spTree>
+      <p:nvGrpSpPr>
+        <p:cNvPr id="1" name=""/>
+        <p:cNvGrpSpPr/>
+        <p:nvPr/>
+      </p:nvGrpSpPr>
+      <p:grpSpPr>
+        <a:xfrm>
+          <a:off x="0" y="0"/>
+          <a:ext cx="0" cy="0"/>
+          <a:chOff x="0" y="0"/>
+          <a:chExt cx="0" cy="0"/>
+        </a:xfrm>
+      </p:grpSpPr>
+      <p:sp>
+        <p:nvSpPr>
+          <p:cNvPr id="2" name="Slide Image Placeholder 1"/>
+          <p:cNvSpPr>
+            <a:spLocks noGrp="1" noRot="1" noChangeAspect="1"/>
+          </p:cNvSpPr>
+          <p:nvPr>
+            <p:ph type="sldImg"/>
+          </p:nvPr>
+        </p:nvSpPr>
+        <p:spPr/>
+      </p:sp>
+      <p:sp>
+        <p:nvSpPr>
+          <p:cNvPr id="3" name="Notes Placeholder 2"/>
+          <p:cNvSpPr>
+            <a:spLocks noGrp="1"/>
+          </p:cNvSpPr>
+          <p:nvPr>
+            <p:ph type="body" idx="1"/>
+          </p:nvPr>
+        </p:nvSpPr>
+        <p:spPr/>
+        <p:txBody>
+          <a:bodyPr/>
+          <a:lstStyle/>
+          <a:p>
+            <a:r>
+              <a:rPr lang="en-US" dirty="0"/>
+              <a:t>Precision and recall are calculated using different metrics from the confusion matrix. </a:t>
+            </a:r>
+          </a:p>
+        </p:txBody>
+      </p:sp>
+      <p:sp>
+        <p:nvSpPr>
+          <p:cNvPr id="4" name="Slide Number Placeholder 3"/>
+          <p:cNvSpPr>
+            <a:spLocks noGrp="1"/>
+          </p:cNvSpPr>
+          <p:nvPr>
+            <p:ph type="sldNum" sz="quarter" idx="5"/>
+          </p:nvPr>
+        </p:nvSpPr>
+        <p:spPr/>
+        <p:txBody>
+          <a:bodyPr/>
+          <a:lstStyle/>
+          <a:p>
+            <a:fld id="{B1A2EA0D-22F4-4AFD-9B05-B1DF34251A83}" type="slidenum">
+              <a:rPr lang="en-US" smtClean="0"/>
+              <a:t>9</a:t>
+            </a:fld>
+            <a:endParaRPr lang="en-US"/>
+          </a:p>
+        </p:txBody>
+      </p:sp>
+    </p:spTree>
+    <p:extLst>
+      <p:ext uri="{BB962C8B-B14F-4D97-AF65-F5344CB8AC3E}">
+        <p14:creationId xmlns:p14="http://schemas.microsoft.com/office/powerpoint/2010/main" val="824263361"/>
+      </p:ext>
+    </p:extLst>
+  </p:cSld>
+  <p:clrMapOvr>
+    <a:masterClrMapping/>
+  </p:clrMapOvr>
+</p:notes>
+</file>
+
+<file path=ppt/notesSlides/notesSlide8.xml><?xml version="1.0" encoding="utf-8"?>
+<p:notes xmlns:a="http://schemas.openxmlformats.org/drawingml/2006/main" xmlns:r="http://schemas.openxmlformats.org/officeDocument/2006/relationships" xmlns:p="http://schemas.openxmlformats.org/presentationml/2006/main">
+  <p:cSld>
+    <p:spTree>
+      <p:nvGrpSpPr>
+        <p:cNvPr id="1" name=""/>
+        <p:cNvGrpSpPr/>
+        <p:nvPr/>
+      </p:nvGrpSpPr>
+      <p:grpSpPr>
+        <a:xfrm>
+          <a:off x="0" y="0"/>
+          <a:ext cx="0" cy="0"/>
+          <a:chOff x="0" y="0"/>
+          <a:chExt cx="0" cy="0"/>
+        </a:xfrm>
+      </p:grpSpPr>
+      <p:sp>
+        <p:nvSpPr>
+          <p:cNvPr id="2" name="Slide Image Placeholder 1"/>
+          <p:cNvSpPr>
+            <a:spLocks noGrp="1" noRot="1" noChangeAspect="1"/>
+          </p:cNvSpPr>
+          <p:nvPr>
+            <p:ph type="sldImg"/>
+          </p:nvPr>
+        </p:nvSpPr>
+        <p:spPr/>
+      </p:sp>
+      <p:sp>
+        <p:nvSpPr>
+          <p:cNvPr id="3" name="Notes Placeholder 2"/>
+          <p:cNvSpPr>
+            <a:spLocks noGrp="1"/>
+          </p:cNvSpPr>
+          <p:nvPr>
+            <p:ph type="body" idx="1"/>
+          </p:nvPr>
+        </p:nvSpPr>
+        <p:spPr/>
+        <p:txBody>
+          <a:bodyPr/>
+          <a:lstStyle/>
+          <a:p>
+            <a:r>
+              <a:rPr lang="en-US" dirty="0"/>
+              <a:t>Precision and Recall are integrated into a single metric, the F1 Score. </a:t>
+            </a:r>
+          </a:p>
+          <a:p>
+            <a:endParaRPr lang="en-US" dirty="0"/>
+          </a:p>
+          <a:p>
+            <a:r>
+              <a:rPr lang="en-US" dirty="0"/>
+              <a:t>The F1 Score is a better metric for assessing model performance.</a:t>
+            </a:r>
+          </a:p>
+        </p:txBody>
+      </p:sp>
+      <p:sp>
+        <p:nvSpPr>
+          <p:cNvPr id="4" name="Slide Number Placeholder 3"/>
+          <p:cNvSpPr>
+            <a:spLocks noGrp="1"/>
+          </p:cNvSpPr>
+          <p:nvPr>
+            <p:ph type="sldNum" sz="quarter" idx="5"/>
+          </p:nvPr>
+        </p:nvSpPr>
+        <p:spPr/>
+        <p:txBody>
+          <a:bodyPr/>
+          <a:lstStyle/>
+          <a:p>
+            <a:fld id="{B1A2EA0D-22F4-4AFD-9B05-B1DF34251A83}" type="slidenum">
+              <a:rPr lang="en-US" smtClean="0"/>
+              <a:t>10</a:t>
+            </a:fld>
+            <a:endParaRPr lang="en-US"/>
+          </a:p>
+        </p:txBody>
+      </p:sp>
+    </p:spTree>
+    <p:extLst>
+      <p:ext uri="{BB962C8B-B14F-4D97-AF65-F5344CB8AC3E}">
+        <p14:creationId xmlns:p14="http://schemas.microsoft.com/office/powerpoint/2010/main" val="1494869754"/>
+      </p:ext>
+    </p:extLst>
+  </p:cSld>
+  <p:clrMapOvr>
+    <a:masterClrMapping/>
+  </p:clrMapOvr>
+</p:notes>
+</file>
+
+<file path=ppt/notesSlides/notesSlide9.xml><?xml version="1.0" encoding="utf-8"?>
+<p:notes xmlns:a="http://schemas.openxmlformats.org/drawingml/2006/main" xmlns:r="http://schemas.openxmlformats.org/officeDocument/2006/relationships" xmlns:p="http://schemas.openxmlformats.org/presentationml/2006/main">
+  <p:cSld>
+    <p:spTree>
+      <p:nvGrpSpPr>
+        <p:cNvPr id="1" name=""/>
+        <p:cNvGrpSpPr/>
+        <p:nvPr/>
+      </p:nvGrpSpPr>
+      <p:grpSpPr>
+        <a:xfrm>
+          <a:off x="0" y="0"/>
+          <a:ext cx="0" cy="0"/>
+          <a:chOff x="0" y="0"/>
+          <a:chExt cx="0" cy="0"/>
+        </a:xfrm>
+      </p:grpSpPr>
+      <p:sp>
+        <p:nvSpPr>
+          <p:cNvPr id="2" name="Slide Image Placeholder 1"/>
+          <p:cNvSpPr>
+            <a:spLocks noGrp="1" noRot="1" noChangeAspect="1"/>
+          </p:cNvSpPr>
+          <p:nvPr>
+            <p:ph type="sldImg"/>
+          </p:nvPr>
+        </p:nvSpPr>
+        <p:spPr/>
+      </p:sp>
+      <p:sp>
+        <p:nvSpPr>
+          <p:cNvPr id="3" name="Notes Placeholder 2"/>
+          <p:cNvSpPr>
+            <a:spLocks noGrp="1"/>
+          </p:cNvSpPr>
+          <p:nvPr>
+            <p:ph type="body" idx="1"/>
+          </p:nvPr>
+        </p:nvSpPr>
+        <p:spPr/>
+        <p:txBody>
+          <a:bodyPr/>
+          <a:lstStyle/>
+          <a:p>
+            <a:r>
+              <a:rPr lang="en-US" sz="2600" dirty="0"/>
+              <a:t>Precision: What proportion of positive identifications was actually correct?</a:t>
+            </a:r>
+          </a:p>
+          <a:p>
+            <a:pPr lvl="1"/>
+            <a:r>
+              <a:rPr lang="en-US" sz="1800" b="0" i="0" u="none" strike="noStrike" dirty="0">
+                <a:solidFill>
+                  <a:srgbClr val="000000"/>
+                </a:solidFill>
+                <a:effectLst/>
+                <a:latin typeface="Arial" panose="020B0604020202020204" pitchFamily="34" charset="0"/>
+              </a:rPr>
+              <a:t>Precision = TP/ (TP+FP)</a:t>
+            </a:r>
+            <a:endParaRPr lang="en-US" sz="2200" dirty="0"/>
+          </a:p>
+          <a:p>
+            <a:pPr lvl="1"/>
+            <a:endParaRPr lang="en-US" sz="2200" dirty="0"/>
+          </a:p>
+          <a:p>
+            <a:r>
+              <a:rPr lang="en-US" sz="2600" dirty="0"/>
+              <a:t>Recall: What proportion of actual positives was identified correctly?</a:t>
+            </a:r>
+          </a:p>
+          <a:p>
+            <a:pPr lvl="1"/>
+            <a:r>
+              <a:rPr lang="en-US" sz="1800" b="0" i="0" u="none" strike="noStrike" dirty="0">
+                <a:solidFill>
+                  <a:srgbClr val="000000"/>
+                </a:solidFill>
+                <a:effectLst/>
+                <a:latin typeface="Arial" panose="020B0604020202020204" pitchFamily="34" charset="0"/>
+              </a:rPr>
+              <a:t>Recall = TP / (TP+FN)</a:t>
+            </a:r>
+            <a:endParaRPr lang="en-US" sz="2200" dirty="0"/>
+          </a:p>
+          <a:p>
+            <a:endParaRPr lang="en-US" dirty="0"/>
+          </a:p>
+          <a:p>
+            <a:r>
+              <a:rPr lang="en-US" dirty="0"/>
+              <a:t>Model 1 does a better job of identifying all the positive cases, with a low number of false negatives. </a:t>
+            </a:r>
+          </a:p>
+          <a:p>
+            <a:endParaRPr lang="en-US" dirty="0"/>
+          </a:p>
+          <a:p>
+            <a:r>
+              <a:rPr lang="en-US" dirty="0"/>
+              <a:t>That is to say, it is casting a wider net but makes a lot of misdiagnoses of the positive class (high cancer risk) as shown by the low precision (more false positives).</a:t>
+            </a:r>
+          </a:p>
+          <a:p>
+            <a:endParaRPr lang="en-US" dirty="0"/>
+          </a:p>
+          <a:p>
+            <a:r>
+              <a:rPr lang="en-US" dirty="0"/>
+              <a:t>Model 2 does a better job at identifying a true positive class, with fewer misclassifications of high cancer risk. </a:t>
+            </a:r>
+          </a:p>
+          <a:p>
+            <a:endParaRPr lang="en-US" dirty="0"/>
+          </a:p>
+          <a:p>
+            <a:r>
+              <a:rPr lang="en-US" dirty="0"/>
+              <a:t>However, the model also misses more of those at high risk my misclassifying them as low risk, as shown by the low recall.</a:t>
+            </a:r>
+          </a:p>
+          <a:p>
+            <a:endParaRPr lang="en-US" dirty="0"/>
+          </a:p>
+          <a:p>
+            <a:r>
+              <a:rPr lang="en-US" dirty="0"/>
+              <a:t>When Model 2 makes a prediction of high cancer risk, we can be more confidant it is correct. However we have low confidence in a low risk prediction.</a:t>
+            </a:r>
+          </a:p>
+          <a:p>
+            <a:endParaRPr lang="en-US" dirty="0"/>
+          </a:p>
+          <a:p>
+            <a:r>
+              <a:rPr lang="en-US" dirty="0"/>
+              <a:t>The opposite is true of Model 1, where there is low confidence the high risk prediction is actually true. However we are more confidant that this model will not miss a high risk patient if they exist. </a:t>
+            </a:r>
+          </a:p>
+        </p:txBody>
+      </p:sp>
+      <p:sp>
+        <p:nvSpPr>
+          <p:cNvPr id="4" name="Slide Number Placeholder 3"/>
+          <p:cNvSpPr>
+            <a:spLocks noGrp="1"/>
+          </p:cNvSpPr>
+          <p:nvPr>
+            <p:ph type="sldNum" sz="quarter" idx="5"/>
+          </p:nvPr>
+        </p:nvSpPr>
+        <p:spPr/>
+        <p:txBody>
+          <a:bodyPr/>
+          <a:lstStyle/>
+          <a:p>
+            <a:fld id="{B1A2EA0D-22F4-4AFD-9B05-B1DF34251A83}" type="slidenum">
+              <a:rPr lang="en-US" smtClean="0"/>
+              <a:t>11</a:t>
+            </a:fld>
+            <a:endParaRPr lang="en-US"/>
+          </a:p>
+        </p:txBody>
+      </p:sp>
+    </p:spTree>
+    <p:extLst>
+      <p:ext uri="{BB962C8B-B14F-4D97-AF65-F5344CB8AC3E}">
+        <p14:creationId xmlns:p14="http://schemas.microsoft.com/office/powerpoint/2010/main" val="3231085173"/>
+      </p:ext>
+    </p:extLst>
+  </p:cSld>
+  <p:clrMapOvr>
+    <a:masterClrMapping/>
+  </p:clrMapOvr>
+</p:notes>
+</file>
+
 <file path=ppt/slideLayouts/slideLayout1.xml><?xml version="1.0" encoding="utf-8"?>
 <p:sldLayout xmlns:a="http://schemas.openxmlformats.org/drawingml/2006/main" xmlns:r="http://schemas.openxmlformats.org/officeDocument/2006/relationships" xmlns:p="http://schemas.openxmlformats.org/presentationml/2006/main" type="title" preserve="1">
   <p:cSld name="Title Slide">
@@ -624,7 +1877,7 @@
           <a:p>
             <a:fld id="{D788A639-B81C-4455-ABEE-AAB245CF3941}" type="datetimeFigureOut">
               <a:rPr lang="en-US" smtClean="0"/>
-              <a:t>12/13/2022</a:t>
+              <a:t>3/25/2023</a:t>
             </a:fld>
             <a:endParaRPr lang="en-US"/>
           </a:p>
@@ -822,7 +2075,7 @@
           <a:p>
             <a:fld id="{D788A639-B81C-4455-ABEE-AAB245CF3941}" type="datetimeFigureOut">
               <a:rPr lang="en-US" smtClean="0"/>
-              <a:t>12/13/2022</a:t>
+              <a:t>3/25/2023</a:t>
             </a:fld>
             <a:endParaRPr lang="en-US"/>
           </a:p>
@@ -1030,7 +2283,7 @@
           <a:p>
             <a:fld id="{D788A639-B81C-4455-ABEE-AAB245CF3941}" type="datetimeFigureOut">
               <a:rPr lang="en-US" smtClean="0"/>
-              <a:t>12/13/2022</a:t>
+              <a:t>3/25/2023</a:t>
             </a:fld>
             <a:endParaRPr lang="en-US"/>
           </a:p>
@@ -1228,7 +2481,7 @@
           <a:p>
             <a:fld id="{D788A639-B81C-4455-ABEE-AAB245CF3941}" type="datetimeFigureOut">
               <a:rPr lang="en-US" smtClean="0"/>
-              <a:t>12/13/2022</a:t>
+              <a:t>3/25/2023</a:t>
             </a:fld>
             <a:endParaRPr lang="en-US"/>
           </a:p>
@@ -1503,7 +2756,7 @@
           <a:p>
             <a:fld id="{D788A639-B81C-4455-ABEE-AAB245CF3941}" type="datetimeFigureOut">
               <a:rPr lang="en-US" smtClean="0"/>
-              <a:t>12/13/2022</a:t>
+              <a:t>3/25/2023</a:t>
             </a:fld>
             <a:endParaRPr lang="en-US"/>
           </a:p>
@@ -1768,7 +3021,7 @@
           <a:p>
             <a:fld id="{D788A639-B81C-4455-ABEE-AAB245CF3941}" type="datetimeFigureOut">
               <a:rPr lang="en-US" smtClean="0"/>
-              <a:t>12/13/2022</a:t>
+              <a:t>3/25/2023</a:t>
             </a:fld>
             <a:endParaRPr lang="en-US"/>
           </a:p>
@@ -2180,7 +3433,7 @@
           <a:p>
             <a:fld id="{D788A639-B81C-4455-ABEE-AAB245CF3941}" type="datetimeFigureOut">
               <a:rPr lang="en-US" smtClean="0"/>
-              <a:t>12/13/2022</a:t>
+              <a:t>3/25/2023</a:t>
             </a:fld>
             <a:endParaRPr lang="en-US"/>
           </a:p>
@@ -2321,7 +3574,7 @@
           <a:p>
             <a:fld id="{D788A639-B81C-4455-ABEE-AAB245CF3941}" type="datetimeFigureOut">
               <a:rPr lang="en-US" smtClean="0"/>
-              <a:t>12/13/2022</a:t>
+              <a:t>3/25/2023</a:t>
             </a:fld>
             <a:endParaRPr lang="en-US"/>
           </a:p>
@@ -2434,7 +3687,7 @@
           <a:p>
             <a:fld id="{D788A639-B81C-4455-ABEE-AAB245CF3941}" type="datetimeFigureOut">
               <a:rPr lang="en-US" smtClean="0"/>
-              <a:t>12/13/2022</a:t>
+              <a:t>3/25/2023</a:t>
             </a:fld>
             <a:endParaRPr lang="en-US"/>
           </a:p>
@@ -2745,7 +3998,7 @@
           <a:p>
             <a:fld id="{D788A639-B81C-4455-ABEE-AAB245CF3941}" type="datetimeFigureOut">
               <a:rPr lang="en-US" smtClean="0"/>
-              <a:t>12/13/2022</a:t>
+              <a:t>3/25/2023</a:t>
             </a:fld>
             <a:endParaRPr lang="en-US"/>
           </a:p>
@@ -3033,7 +4286,7 @@
           <a:p>
             <a:fld id="{D788A639-B81C-4455-ABEE-AAB245CF3941}" type="datetimeFigureOut">
               <a:rPr lang="en-US" smtClean="0"/>
-              <a:t>12/13/2022</a:t>
+              <a:t>3/25/2023</a:t>
             </a:fld>
             <a:endParaRPr lang="en-US"/>
           </a:p>
@@ -3274,7 +4527,7 @@
           <a:p>
             <a:fld id="{D788A639-B81C-4455-ABEE-AAB245CF3941}" type="datetimeFigureOut">
               <a:rPr lang="en-US" smtClean="0"/>
-              <a:t>12/13/2022</a:t>
+              <a:t>3/25/2023</a:t>
             </a:fld>
             <a:endParaRPr lang="en-US"/>
           </a:p>
@@ -6327,7 +7580,7 @@
             <a:pPr lvl="1"/>
             <a:r>
               <a:rPr lang="en-US" sz="2200" dirty="0"/>
-              <a:t>By default, we predict y=1 if p &gt;= 0.5 and y= 0 p &lt;0.5: Threshold</a:t>
+              <a:t>By default, we predict y=1 if p &gt;= 0.5 and y= 0 p &lt;0.5: In this case, we say the threshold is 0.5.</a:t>
             </a:r>
           </a:p>
           <a:p>
@@ -6337,7 +7590,7 @@
           <a:p>
             <a:r>
               <a:rPr lang="en-US" sz="2600" dirty="0"/>
-              <a:t>We can change this threshold and thus change precision and recall</a:t>
+              <a:t>We can change this threshold and thus change precision and recall.</a:t>
             </a:r>
           </a:p>
           <a:p>
@@ -6920,14 +8173,10 @@
             </a:r>
           </a:p>
           <a:p>
-            <a:pPr lvl="1"/>
+            <a:pPr marL="457200" lvl="1" indent="0">
+              <a:buNone/>
+            </a:pPr>
             <a:endParaRPr lang="en-US" dirty="0"/>
-          </a:p>
-          <a:p>
-            <a:r>
-              <a:rPr lang="en-US" dirty="0"/>
-              <a:t>Reading on this will be assigned</a:t>
-            </a:r>
           </a:p>
         </p:txBody>
       </p:sp>
@@ -6946,13 +8195,13 @@
           <p:nvPr/>
         </p:nvPicPr>
         <p:blipFill>
-          <a:blip r:embed="rId2">
+          <a:blip r:embed="rId3">
             <a:extLst>
               <a:ext uri="{28A0092B-C50C-407E-A947-70E740481C1C}">
                 <a14:useLocalDpi xmlns:a14="http://schemas.microsoft.com/office/drawing/2010/main" val="0"/>
               </a:ext>
               <a:ext uri="{96DAC541-7B7A-43D3-8B79-37D633B846F1}">
-                <asvg:svgBlip xmlns:asvg="http://schemas.microsoft.com/office/drawing/2016/SVG/main" r:embed="rId3"/>
+                <asvg:svgBlip xmlns:asvg="http://schemas.microsoft.com/office/drawing/2016/SVG/main" r:embed="rId4"/>
               </a:ext>
             </a:extLst>
           </a:blip>
@@ -9271,7 +10520,7 @@
                 </a:solidFill>
                 <a:latin typeface="Arial" panose="020B0604020202020204" pitchFamily="34" charset="0"/>
               </a:rPr>
-              <a:t>Why is this bad??</a:t>
+              <a:t>Why is this a bad model??</a:t>
             </a:r>
             <a:endParaRPr lang="en-US" dirty="0"/>
           </a:p>
